--- a/poster/Modelo_apresentação-Pôster.pptx
+++ b/poster/Modelo_apresentação-Pôster.pptx
@@ -256,7 +256,7 @@
           <a:bodyPr lIns="0" rIns="0" tIns="0" bIns="0" anchor="b"/>
           <a:p>
             <a:pPr algn="r"/>
-            <a:fld id="{30F95903-C39A-42D0-B3E7-23139BB50200}" type="slidenum">
+            <a:fld id="{482DFE8B-040E-475D-8D59-47ED22F3D30F}" type="slidenum">
               <a:rPr b="0" lang="pt-BR" sz="1400" spc="-1" strike="noStrike">
                 <a:solidFill>
                   <a:srgbClr val="000000"/>
@@ -2709,7 +2709,7 @@
         </p:nvSpPr>
         <p:spPr>
           <a:xfrm>
-            <a:off x="1296360" y="9101160"/>
+            <a:off x="1296360" y="7841160"/>
             <a:ext cx="13557960" cy="8935920"/>
           </a:xfrm>
           <a:prstGeom prst="rect">
@@ -2747,7 +2747,7 @@
                 <a:latin typeface="Verdana"/>
                 <a:ea typeface="MS Gothic"/>
               </a:rPr>
-              <a:t>Resumo.</a:t>
+              <a:t>Abstract.</a:t>
             </a:r>
             <a:r>
               <a:rPr b="0" lang="pt-BR" sz="2400" spc="-1" strike="noStrike">
@@ -2870,7 +2870,7 @@
                 <a:latin typeface="Verdana"/>
                 <a:ea typeface="MS Gothic"/>
               </a:rPr>
-              <a:t>Palavras-chave. l</a:t>
+              <a:t>Keywords. </a:t>
             </a:r>
             <a:r>
               <a:rPr b="0" i="1" lang="pt-BR" sz="2400" spc="-1" strike="noStrike">
@@ -2885,7 +2885,7 @@
                 <a:latin typeface="Verdana"/>
                 <a:ea typeface="MS Gothic"/>
               </a:rPr>
-              <a:t>inked data, complex networks, text mining, data visualization, social participation</a:t>
+              <a:t>linked data, complex networks, text mining, data visualization, social participation</a:t>
             </a:r>
             <a:endParaRPr b="0" lang="pt-BR" sz="1800" spc="-1" strike="noStrike">
               <a:solidFill>
@@ -2909,7 +2909,7 @@
         </p:nvSpPr>
         <p:spPr>
           <a:xfrm>
-            <a:off x="1296360" y="18369000"/>
+            <a:off x="1296360" y="17505000"/>
             <a:ext cx="13557960" cy="4142160"/>
           </a:xfrm>
           <a:prstGeom prst="rect">
@@ -2947,7 +2947,7 @@
                 <a:latin typeface="Verdana"/>
                 <a:ea typeface="MS Gothic"/>
               </a:rPr>
-              <a:t>INTRODUCTION</a:t>
+              <a:t>Introduction</a:t>
             </a:r>
             <a:endParaRPr b="0" lang="pt-BR" sz="1800" spc="-1" strike="noStrike">
               <a:solidFill>
@@ -3070,7 +3070,7 @@
         </p:nvSpPr>
         <p:spPr>
           <a:xfrm>
-            <a:off x="1296360" y="22191480"/>
+            <a:off x="1296360" y="21651480"/>
             <a:ext cx="13557960" cy="10520640"/>
           </a:xfrm>
           <a:prstGeom prst="rect">
@@ -3156,7 +3156,7 @@
                 <a:latin typeface="Verdana"/>
                 <a:ea typeface="MS Gothic"/>
               </a:rPr>
-              <a:t>, translated from many databases and comprises platforms such as Facebook, Twitter, Email lists, IRC Channels, ParticipaBR, Cidade Democrática and AA.</a:t>
+              <a:t>, translated from many databases and comprises platforms such as Facebook, Twitter, Email lists, IRC Channels, ParticipaBR, Cidade Democrática and AA. [1]</a:t>
             </a:r>
             <a:endParaRPr b="0" lang="pt-BR" sz="1800" spc="-1" strike="noStrike">
               <a:solidFill>
@@ -3204,7 +3204,7 @@
                 <a:latin typeface="Verdana"/>
                 <a:ea typeface="MS Gothic"/>
               </a:rPr>
-              <a:t> for the plaftorms/protocols in LOSD, and for social participation instances and mechanisms are: Conference (Conferência), Forum (Fórum), Committee (Comitê), Council (Conselho), Ombudsman (Ouvidoria), Public Consultation (Consulta Pública), Dialog Table (Mesa de diálogo), Monitoring Table (Mesa de Monitoramento), Intercouncil Forum (Fóruns Interconselhos), Audience (Audiëncia), Virtual Environment (Ambiênte Virtual).</a:t>
+              <a:t> for the plaftorms/protocols in LOSD, and for social participation instances and mechanisms are: Conference (Conferência), Forum (Fórum), Committee (Comitê), Council (Conselho), Ombudsman (Ouvidoria), Public Consultation (Consulta Pública), Dialog Table (Mesa de diálogo), Monitoring Table (Mesa de Monitoramento), Intercouncil Forum (Fóruns Interconselhos), Audience (Audiëncia), Virtual Environment (Ambiênte Virtual). [2]</a:t>
             </a:r>
             <a:endParaRPr b="0" lang="pt-BR" sz="1800" spc="-1" strike="noStrike">
               <a:solidFill>
@@ -3252,7 +3252,7 @@
                 <a:latin typeface="Verdana"/>
                 <a:ea typeface="MS Gothic"/>
               </a:rPr>
-              <a:t> for deepening the considerations about ethic and what are legitimate postures and practices in quantitative research about human social structures with the consideration of natural laws.</a:t>
+              <a:t> for deepening the considerations about ethic and what are legitimate postures and practices in quantitative research about human social structures with the consideration of natural laws. [3]</a:t>
             </a:r>
             <a:endParaRPr b="0" lang="pt-BR" sz="1800" spc="-1" strike="noStrike">
               <a:solidFill>
@@ -3300,7 +3300,7 @@
                 <a:latin typeface="Verdana"/>
                 <a:ea typeface="MS Gothic"/>
               </a:rPr>
-              <a:t> for sharing, documenting and rewarding processes and dedication.</a:t>
+              <a:t> for sharing, documenting and rewarding processes and dedication. [4]</a:t>
             </a:r>
             <a:endParaRPr b="0" lang="pt-BR" sz="1800" spc="-1" strike="noStrike">
               <a:solidFill>
@@ -3348,7 +3348,7 @@
                 <a:latin typeface="Verdana"/>
                 <a:ea typeface="MS Gothic"/>
               </a:rPr>
-              <a:t> for rendering audiovisual media from social data, with emphasis on network and textual data.</a:t>
+              <a:t> for rendering audiovisual media from social data, with emphasis on network and textual data. [5]</a:t>
             </a:r>
             <a:endParaRPr b="0" lang="pt-BR" sz="1800" spc="-1" strike="noStrike">
               <a:solidFill>
@@ -3372,8 +3372,8 @@
         </p:nvSpPr>
         <p:spPr>
           <a:xfrm>
-            <a:off x="16058160" y="9101160"/>
-            <a:ext cx="15481440" cy="3548880"/>
+            <a:off x="16058160" y="7841160"/>
+            <a:ext cx="15481440" cy="14979600"/>
           </a:xfrm>
           <a:prstGeom prst="rect">
             <a:avLst/>
@@ -3443,7 +3443,7 @@
                 <a:latin typeface="Verdana"/>
                 <a:ea typeface="MS Gothic"/>
               </a:rPr>
-              <a:t>Make LOSD available in DataHub and/or Data.World. Critical theory and anthropological physics to know the limits of these endeavors and minimize undesirable outputs. Self-transparency is entailing software and articles, but lacking user bases. Developments fo audiovisual analytics are very incipient. Nexos is a Brazilian nationwide </a:t>
+              <a:t>Make LOSD available in DataHub and/or Data.World. Critical theory and anthropological physics to know the limits of these endeavors and minimize undesirable outputs. Self-transparency is entailing software and articles, but lacking user bases. Developments fo audiovisual analytics are very incipient. Nexos is a Brazilian nationwide and interdisciplinary </a:t>
             </a:r>
             <a:r>
               <a:rPr b="0" lang="pt-BR" sz="2400" spc="-1" strike="noStrike">
@@ -3458,7 +3458,73 @@
                 <a:latin typeface="Verdana"/>
                 <a:ea typeface="MS Gothic"/>
               </a:rPr>
-              <a:t>research network on critical theory and interdisciplinarity which is often </a:t>
+              <a:t>research network on critical theory which is often tackling issues that potentialize our efforts.</a:t>
+            </a:r>
+            <a:endParaRPr b="0" lang="pt-BR" sz="1800" spc="-1" strike="noStrike">
+              <a:solidFill>
+                <a:srgbClr val="000000"/>
+              </a:solidFill>
+              <a:uFill>
+                <a:solidFill>
+                  <a:srgbClr val="ffffff"/>
+                </a:solidFill>
+              </a:uFill>
+              <a:latin typeface="Arial"/>
+            </a:endParaRPr>
+          </a:p>
+          <a:p>
+            <a:pPr algn="just">
+              <a:lnSpc>
+                <a:spcPct val="150000"/>
+              </a:lnSpc>
+            </a:pPr>
+            <a:r>
+              <a:rPr b="0" lang="pt-BR" sz="2400" spc="-1" strike="noStrike">
+                <a:solidFill>
+                  <a:srgbClr val="000000"/>
+                </a:solidFill>
+                <a:uFill>
+                  <a:solidFill>
+                    <a:srgbClr val="ffffff"/>
+                  </a:solidFill>
+                </a:uFill>
+                <a:latin typeface="Verdana"/>
+                <a:ea typeface="MS Gothic"/>
+              </a:rPr>
+              <a:t>Research groups @Nuvem might have further context to share about these issues. For example, are there SparQL endpoints with (Brazilian) social participation (including self-transparency) data?  Is it necessary to contact lawyers to better know the limits of our possibilities to gather and research our social data within the Anthropological Physics perspective and are there well known guidelines? Is there more participatory linked data available in Brazil? Ontologies? We might benefit from directions on better linking LOSD to the semantic web (DBPedia, other participatory data, etc), and for a reasonable way to keep the data online (through DataHub or Data.World or both? A Pubby-like interface?), and to develop an audiovisual analytics software (persistence, web?, analysis methods, audiovisual rendering, etc, as described in [5]).</a:t>
+            </a:r>
+            <a:endParaRPr b="0" lang="pt-BR" sz="1800" spc="-1" strike="noStrike">
+              <a:solidFill>
+                <a:srgbClr val="000000"/>
+              </a:solidFill>
+              <a:uFill>
+                <a:solidFill>
+                  <a:srgbClr val="ffffff"/>
+                </a:solidFill>
+              </a:uFill>
+              <a:latin typeface="Arial"/>
+            </a:endParaRPr>
+          </a:p>
+          <a:p>
+            <a:pPr algn="just">
+              <a:lnSpc>
+                <a:spcPct val="150000"/>
+              </a:lnSpc>
+            </a:pPr>
+            <a:r>
+              <a:rPr b="0" lang="pt-BR" sz="2400" spc="-1" strike="noStrike">
+                <a:solidFill>
+                  <a:srgbClr val="000000"/>
+                </a:solidFill>
+                <a:uFill>
+                  <a:solidFill>
+                    <a:srgbClr val="ffffff"/>
+                  </a:solidFill>
+                </a:uFill>
+                <a:latin typeface="Verdana"/>
+                <a:ea typeface="MS Gothic"/>
+              </a:rPr>
+              <a:t>Other questions that might initiate nice discussions or entail collaboration are: how to enable a self-transparency user base?  Where to keep the linked data?  How to manage the ontologies and keep their constant development (as needed and predicted in the literature)? How to achieve a reasonable use of our social (open linked) data? Is it possible to have an audiovisual analytics platform with our own (scraped) social data, with facilities for media rendering and interaction experiments (collection and diffusion of information), that enables the user base and interested parties to collective gather social data, analyses and conceptualizations? Is the societal consideration of our social data relevant for equilibrium with the State and private sectors?  Is it possible to achieve social participation in the private sector, e.g. to have civil representation in the management of companies, to regulate matters such as YouTube adds in Google, nutrient standards in McDonald's, and other things in other major and minor institutions?</a:t>
             </a:r>
             <a:endParaRPr b="0" lang="pt-BR" sz="1800" spc="-1" strike="noStrike">
               <a:solidFill>
@@ -3482,8 +3548,8 @@
         </p:nvSpPr>
         <p:spPr>
           <a:xfrm>
-            <a:off x="16058160" y="15738840"/>
-            <a:ext cx="15481440" cy="3800520"/>
+            <a:off x="16058160" y="23247000"/>
+            <a:ext cx="15481440" cy="8875440"/>
           </a:xfrm>
           <a:prstGeom prst="rect">
             <a:avLst/>
@@ -3520,7 +3586,7 @@
                 <a:latin typeface="Verdana"/>
                 <a:ea typeface="MS Gothic"/>
               </a:rPr>
-              <a:t>FIGURAS E TABELAS</a:t>
+              <a:t>REFERENCES</a:t>
             </a:r>
             <a:endParaRPr b="0" lang="pt-BR" sz="1800" spc="-1" strike="noStrike">
               <a:solidFill>
@@ -3553,7 +3619,23 @@
                 <a:latin typeface="Verdana"/>
                 <a:ea typeface="MS Gothic"/>
               </a:rPr>
-              <a:t>As figuras deverão estar em alta resolução. </a:t>
+              <a:t>[1] Fabbri, R., &amp; de Oliveira, O. N. (2016). Linked Open Social Database. Github repositories, from </a:t>
+            </a:r>
+            <a:r>
+              <a:rPr b="0" lang="pt-BR" sz="2400" spc="-1" strike="noStrike">
+                <a:solidFill>
+                  <a:srgbClr val="000000"/>
+                </a:solidFill>
+                <a:uFill>
+                  <a:solidFill>
+                    <a:srgbClr val="ffffff"/>
+                  </a:solidFill>
+                </a:uFill>
+                <a:latin typeface="Verdana"/>
+                <a:ea typeface="MS Gothic"/>
+                <a:hlinkClick r:id="rId1"/>
+              </a:rPr>
+              <a:t>https://github.com/ttm/linkedOpenSocialDatabase/raw/master/paper.pdf</a:t>
             </a:r>
             <a:endParaRPr b="0" lang="pt-BR" sz="1800" spc="-1" strike="noStrike">
               <a:solidFill>
@@ -3586,7 +3668,170 @@
                 <a:latin typeface="Verdana"/>
                 <a:ea typeface="MS Gothic"/>
               </a:rPr>
-              <a:t>As legendas das figuras e/ou tabelas (exemplo: Figura 1), devem estar com fonte verdana, tamanho 24 e centralizadas. As figuras e tabelas obtidas de referências bibliográficas deverão apresentar a fonte. Para as tabelas as legendas devem ser apresentadas na parte superior e para as figuras, na parte inferior.</a:t>
+              <a:t>[2] Fabbri, R. (2014). Social participation ontologies and rules to fuel a social participation linked data cloud. Technical report for the United Nations Development Program. From </a:t>
+            </a:r>
+            <a:r>
+              <a:rPr b="0" lang="pt-BR" sz="2400" spc="-1" strike="noStrike">
+                <a:solidFill>
+                  <a:srgbClr val="000000"/>
+                </a:solidFill>
+                <a:uFill>
+                  <a:solidFill>
+                    <a:srgbClr val="ffffff"/>
+                  </a:solidFill>
+                </a:uFill>
+                <a:latin typeface="Verdana"/>
+                <a:ea typeface="MS Gothic"/>
+                <a:hlinkClick r:id="rId2"/>
+              </a:rPr>
+              <a:t>https://github.com/ttm/pnud5/raw/master/latex/produto.pdf</a:t>
+            </a:r>
+            <a:endParaRPr b="0" lang="pt-BR" sz="1800" spc="-1" strike="noStrike">
+              <a:solidFill>
+                <a:srgbClr val="000000"/>
+              </a:solidFill>
+              <a:uFill>
+                <a:solidFill>
+                  <a:srgbClr val="ffffff"/>
+                </a:solidFill>
+              </a:uFill>
+              <a:latin typeface="Arial"/>
+            </a:endParaRPr>
+          </a:p>
+          <a:p>
+            <a:pPr algn="just">
+              <a:lnSpc>
+                <a:spcPct val="150000"/>
+              </a:lnSpc>
+            </a:pPr>
+            <a:r>
+              <a:rPr b="0" lang="pt-BR" sz="2400" spc="-1" strike="noStrike">
+                <a:solidFill>
+                  <a:srgbClr val="000000"/>
+                </a:solidFill>
+                <a:uFill>
+                  <a:solidFill>
+                    <a:srgbClr val="ffffff"/>
+                  </a:solidFill>
+                </a:uFill>
+                <a:latin typeface="Verdana"/>
+                <a:ea typeface="MS Gothic"/>
+              </a:rPr>
+              <a:t>[3] Anthropological physics and social psychology in the critical research of networks. Complex Networks Digital Campus (CS-DC’15). Em </a:t>
+            </a:r>
+            <a:r>
+              <a:rPr b="0" lang="pt-BR" sz="2400" spc="-1" strike="noStrike">
+                <a:solidFill>
+                  <a:srgbClr val="000000"/>
+                </a:solidFill>
+                <a:uFill>
+                  <a:solidFill>
+                    <a:srgbClr val="ffffff"/>
+                  </a:solidFill>
+                </a:uFill>
+                <a:latin typeface="Verdana"/>
+                <a:ea typeface="MS Gothic"/>
+                <a:hlinkClick r:id="rId3"/>
+              </a:rPr>
+              <a:t>https://www.youtube.com/watch?v=oeOKYc3-nbM</a:t>
+            </a:r>
+            <a:endParaRPr b="0" lang="pt-BR" sz="1800" spc="-1" strike="noStrike">
+              <a:solidFill>
+                <a:srgbClr val="000000"/>
+              </a:solidFill>
+              <a:uFill>
+                <a:solidFill>
+                  <a:srgbClr val="ffffff"/>
+                </a:solidFill>
+              </a:uFill>
+              <a:latin typeface="Arial"/>
+            </a:endParaRPr>
+          </a:p>
+          <a:p>
+            <a:pPr algn="just">
+              <a:lnSpc>
+                <a:spcPct val="150000"/>
+              </a:lnSpc>
+            </a:pPr>
+            <a:r>
+              <a:rPr b="0" lang="pt-BR" sz="2400" spc="-1" strike="noStrike">
+                <a:solidFill>
+                  <a:srgbClr val="000000"/>
+                </a:solidFill>
+                <a:uFill>
+                  <a:solidFill>
+                    <a:srgbClr val="ffffff"/>
+                  </a:solidFill>
+                </a:uFill>
+                <a:latin typeface="Verdana"/>
+                <a:ea typeface="MS Gothic"/>
+              </a:rPr>
+              <a:t>[4] R. Fabbri, “The Algorithmic-Autoregulation (AA) Methodology and Software: a collective focus on self-transparency,” Anais do XX ENMC - Encontro Nacional de Modelagem Computacional. Nova Friburgo, RJ, Out/2017. Available at: </a:t>
+            </a:r>
+            <a:r>
+              <a:rPr b="0" lang="pt-BR" sz="2400" spc="-1" strike="noStrike">
+                <a:solidFill>
+                  <a:srgbClr val="000000"/>
+                </a:solidFill>
+                <a:uFill>
+                  <a:solidFill>
+                    <a:srgbClr val="ffffff"/>
+                  </a:solidFill>
+                </a:uFill>
+                <a:latin typeface="Verdana"/>
+                <a:ea typeface="MS Gothic"/>
+                <a:hlinkClick r:id="rId4"/>
+              </a:rPr>
+              <a:t>https://arxiv.org/abs/1711.04612</a:t>
+            </a:r>
+            <a:endParaRPr b="0" lang="pt-BR" sz="1800" spc="-1" strike="noStrike">
+              <a:solidFill>
+                <a:srgbClr val="000000"/>
+              </a:solidFill>
+              <a:uFill>
+                <a:solidFill>
+                  <a:srgbClr val="ffffff"/>
+                </a:solidFill>
+              </a:uFill>
+              <a:latin typeface="Arial"/>
+            </a:endParaRPr>
+          </a:p>
+          <a:p>
+            <a:pPr algn="just">
+              <a:lnSpc>
+                <a:spcPct val="150000"/>
+              </a:lnSpc>
+            </a:pPr>
+            <a:r>
+              <a:rPr b="0" lang="pt-BR" sz="2400" spc="-1" strike="noStrike">
+                <a:solidFill>
+                  <a:srgbClr val="000000"/>
+                </a:solidFill>
+                <a:uFill>
+                  <a:solidFill>
+                    <a:srgbClr val="ffffff"/>
+                  </a:solidFill>
+                </a:uFill>
+                <a:latin typeface="Verdana"/>
+                <a:ea typeface="MS Gothic"/>
+              </a:rPr>
+              <a:t>[5] R. Fabbri and M. Pisani “Audiovisual Analytics of social data,” I Workshop @NUVEM, UFABC campus de Santo André,                                                                                                          Available at: </a:t>
+            </a:r>
+            <a:r>
+              <a:rPr b="0" lang="pt-BR" sz="2400" spc="-1" strike="noStrike">
+                <a:solidFill>
+                  <a:srgbClr val="000000"/>
+                </a:solidFill>
+                <a:uFill>
+                  <a:solidFill>
+                    <a:srgbClr val="ffffff"/>
+                  </a:solidFill>
+                </a:uFill>
+                <a:latin typeface="Verdana"/>
+                <a:ea typeface="MS Gothic"/>
+                <a:hlinkClick r:id="rId5"/>
+              </a:rPr>
+              <a:t>https://github.com/ttm/aavo/raw/master/latex/nuvem/nuvem2.pdf</a:t>
             </a:r>
             <a:endParaRPr b="0" lang="pt-BR" sz="1800" spc="-1" strike="noStrike">
               <a:solidFill>
@@ -3610,8 +3855,8 @@
         </p:nvSpPr>
         <p:spPr>
           <a:xfrm>
-            <a:off x="16058160" y="22347000"/>
-            <a:ext cx="15481440" cy="3251880"/>
+            <a:off x="2303640" y="2011320"/>
+            <a:ext cx="17066880" cy="1757880"/>
           </a:xfrm>
           <a:prstGeom prst="rect">
             <a:avLst/>
@@ -3630,15 +3875,15 @@
         <p:txBody>
           <a:bodyPr lIns="107640" rIns="107640" tIns="56160" bIns="56160"/>
           <a:p>
-            <a:pPr algn="just">
+            <a:pPr algn="ctr">
               <a:lnSpc>
-                <a:spcPct val="150000"/>
+                <a:spcPct val="100000"/>
               </a:lnSpc>
             </a:pPr>
             <a:r>
-              <a:rPr b="1" lang="pt-BR" sz="3200" spc="-1" strike="noStrike">
-                <a:solidFill>
-                  <a:srgbClr val="000000"/>
+              <a:rPr b="1" lang="pt-BR" sz="5400" spc="-1" strike="noStrike">
+                <a:solidFill>
+                  <a:srgbClr val="ffffff"/>
                 </a:solidFill>
                 <a:uFill>
                   <a:solidFill>
@@ -3648,73 +3893,7 @@
                 <a:latin typeface="Verdana"/>
                 <a:ea typeface="MS Gothic"/>
               </a:rPr>
-              <a:t>REFERÊNCIAS</a:t>
-            </a:r>
-            <a:endParaRPr b="0" lang="pt-BR" sz="1800" spc="-1" strike="noStrike">
-              <a:solidFill>
-                <a:srgbClr val="000000"/>
-              </a:solidFill>
-              <a:uFill>
-                <a:solidFill>
-                  <a:srgbClr val="ffffff"/>
-                </a:solidFill>
-              </a:uFill>
-              <a:latin typeface="Arial"/>
-            </a:endParaRPr>
-          </a:p>
-          <a:p>
-            <a:pPr algn="just">
-              <a:lnSpc>
-                <a:spcPct val="150000"/>
-              </a:lnSpc>
-            </a:pPr>
-            <a:r>
-              <a:rPr b="0" lang="pt-BR" sz="2400" spc="-1" strike="noStrike">
-                <a:solidFill>
-                  <a:srgbClr val="000000"/>
-                </a:solidFill>
-                <a:uFill>
-                  <a:solidFill>
-                    <a:srgbClr val="ffffff"/>
-                  </a:solidFill>
-                </a:uFill>
-                <a:latin typeface="Verdana"/>
-                <a:ea typeface="MS Gothic"/>
-              </a:rPr>
-              <a:t>As referências devem ser apresentadas segundo o padrão usado para a confecção dos artigos e numeradas com algarismos arábicos entre colchetes. Exemplo: </a:t>
-            </a:r>
-            <a:endParaRPr b="0" lang="pt-BR" sz="1800" spc="-1" strike="noStrike">
-              <a:solidFill>
-                <a:srgbClr val="000000"/>
-              </a:solidFill>
-              <a:uFill>
-                <a:solidFill>
-                  <a:srgbClr val="ffffff"/>
-                </a:solidFill>
-              </a:uFill>
-              <a:latin typeface="Arial"/>
-            </a:endParaRPr>
-          </a:p>
-          <a:p>
-            <a:pPr algn="just">
-              <a:lnSpc>
-                <a:spcPct val="150000"/>
-              </a:lnSpc>
-            </a:pPr>
-            <a:r>
-              <a:rPr b="0" lang="pt-BR" sz="2400" spc="-1" strike="noStrike">
-                <a:solidFill>
-                  <a:srgbClr val="000000"/>
-                </a:solidFill>
-                <a:uFill>
-                  <a:solidFill>
-                    <a:srgbClr val="ffffff"/>
-                  </a:solidFill>
-                </a:uFill>
-                <a:latin typeface="Verdana"/>
-                <a:ea typeface="MS Gothic"/>
-              </a:rPr>
-              <a:t>[1] C. van Trigt, “Visual system-response functions and estimating  reflectance,” JOSA A 14, 741-755  (1997).</a:t>
+              <a:t>ANALYTIC CONSIDERATION OF THE SOCIETY BY ITSELF</a:t>
             </a:r>
             <a:endParaRPr b="0" lang="pt-BR" sz="1800" spc="-1" strike="noStrike">
               <a:solidFill>
@@ -3738,8 +3917,8 @@
         </p:nvSpPr>
         <p:spPr>
           <a:xfrm>
-            <a:off x="2303640" y="2011320"/>
-            <a:ext cx="17066880" cy="1757880"/>
+            <a:off x="2844360" y="32337000"/>
+            <a:ext cx="30999600" cy="1255680"/>
           </a:xfrm>
           <a:prstGeom prst="rect">
             <a:avLst/>
@@ -3758,15 +3937,15 @@
         <p:txBody>
           <a:bodyPr lIns="107640" rIns="107640" tIns="56160" bIns="56160"/>
           <a:p>
-            <a:pPr algn="ctr">
+            <a:pPr algn="just">
               <a:lnSpc>
-                <a:spcPct val="100000"/>
+                <a:spcPct val="150000"/>
               </a:lnSpc>
             </a:pPr>
             <a:r>
-              <a:rPr b="1" lang="pt-BR" sz="5400" spc="-1" strike="noStrike">
-                <a:solidFill>
-                  <a:srgbClr val="ffffff"/>
+              <a:rPr b="0" i="1" lang="pt-BR" sz="2400" spc="-1" strike="noStrike">
+                <a:solidFill>
+                  <a:srgbClr val="000000"/>
                 </a:solidFill>
                 <a:uFill>
                   <a:solidFill>
@@ -3776,8 +3955,26 @@
                 <a:latin typeface="Verdana"/>
                 <a:ea typeface="MS Gothic"/>
               </a:rPr>
-              <a:t>ANALYTIC CONSIDERATION OF THE SOCIETY BY ITSELF</a:t>
-            </a:r>
+              <a:t>Authors thank FAPESP (project 2017/05838-3); ICMC/USP and UFABC researchers; the open source and free software communities that made these developments possible. </a:t>
+            </a:r>
+            <a:endParaRPr b="0" lang="pt-BR" sz="1800" spc="-1" strike="noStrike">
+              <a:solidFill>
+                <a:srgbClr val="000000"/>
+              </a:solidFill>
+              <a:uFill>
+                <a:solidFill>
+                  <a:srgbClr val="ffffff"/>
+                </a:solidFill>
+              </a:uFill>
+              <a:latin typeface="Arial"/>
+            </a:endParaRPr>
+          </a:p>
+          <a:p>
+            <a:pPr algn="just">
+              <a:lnSpc>
+                <a:spcPct val="150000"/>
+              </a:lnSpc>
+            </a:pPr>
             <a:endParaRPr b="0" lang="pt-BR" sz="1800" spc="-1" strike="noStrike">
               <a:solidFill>
                 <a:srgbClr val="000000"/>
